--- a/図作成用パワーポイント/1120figure.pptx
+++ b/図作成用パワーポイント/1120figure.pptx
@@ -6,7 +6,8 @@
   </p:sldMasterIdLst>
   <p:sldIdLst>
     <p:sldId id="257" r:id="rId2"/>
-    <p:sldId id="258" r:id="rId3"/>
+    <p:sldId id="259" r:id="rId3"/>
+    <p:sldId id="258" r:id="rId4"/>
   </p:sldIdLst>
   <p:sldSz cx="12192000" cy="6858000"/>
   <p:notesSz cx="6858000" cy="9144000"/>
@@ -255,7 +256,7 @@
           <a:p>
             <a:fld id="{185B02C0-14C3-4191-B625-BCEA22DD114B}" type="datetimeFigureOut">
               <a:rPr kumimoji="1" lang="ja-JP" altLang="en-US" smtClean="0"/>
-              <a:t>2019/11/12</a:t>
+              <a:t>2019/11/18</a:t>
             </a:fld>
             <a:endParaRPr kumimoji="1" lang="ja-JP" altLang="en-US"/>
           </a:p>
@@ -457,7 +458,7 @@
           <a:p>
             <a:fld id="{185B02C0-14C3-4191-B625-BCEA22DD114B}" type="datetimeFigureOut">
               <a:rPr kumimoji="1" lang="ja-JP" altLang="en-US" smtClean="0"/>
-              <a:t>2019/11/12</a:t>
+              <a:t>2019/11/18</a:t>
             </a:fld>
             <a:endParaRPr kumimoji="1" lang="ja-JP" altLang="en-US"/>
           </a:p>
@@ -669,7 +670,7 @@
           <a:p>
             <a:fld id="{185B02C0-14C3-4191-B625-BCEA22DD114B}" type="datetimeFigureOut">
               <a:rPr kumimoji="1" lang="ja-JP" altLang="en-US" smtClean="0"/>
-              <a:t>2019/11/12</a:t>
+              <a:t>2019/11/18</a:t>
             </a:fld>
             <a:endParaRPr kumimoji="1" lang="ja-JP" altLang="en-US"/>
           </a:p>
@@ -871,7 +872,7 @@
           <a:p>
             <a:fld id="{185B02C0-14C3-4191-B625-BCEA22DD114B}" type="datetimeFigureOut">
               <a:rPr kumimoji="1" lang="ja-JP" altLang="en-US" smtClean="0"/>
-              <a:t>2019/11/12</a:t>
+              <a:t>2019/11/18</a:t>
             </a:fld>
             <a:endParaRPr kumimoji="1" lang="ja-JP" altLang="en-US"/>
           </a:p>
@@ -1117,7 +1118,7 @@
           <a:p>
             <a:fld id="{185B02C0-14C3-4191-B625-BCEA22DD114B}" type="datetimeFigureOut">
               <a:rPr kumimoji="1" lang="ja-JP" altLang="en-US" smtClean="0"/>
-              <a:t>2019/11/12</a:t>
+              <a:t>2019/11/18</a:t>
             </a:fld>
             <a:endParaRPr kumimoji="1" lang="ja-JP" altLang="en-US"/>
           </a:p>
@@ -1413,7 +1414,7 @@
           <a:p>
             <a:fld id="{185B02C0-14C3-4191-B625-BCEA22DD114B}" type="datetimeFigureOut">
               <a:rPr kumimoji="1" lang="ja-JP" altLang="en-US" smtClean="0"/>
-              <a:t>2019/11/12</a:t>
+              <a:t>2019/11/18</a:t>
             </a:fld>
             <a:endParaRPr kumimoji="1" lang="ja-JP" altLang="en-US"/>
           </a:p>
@@ -1844,7 +1845,7 @@
           <a:p>
             <a:fld id="{185B02C0-14C3-4191-B625-BCEA22DD114B}" type="datetimeFigureOut">
               <a:rPr kumimoji="1" lang="ja-JP" altLang="en-US" smtClean="0"/>
-              <a:t>2019/11/12</a:t>
+              <a:t>2019/11/18</a:t>
             </a:fld>
             <a:endParaRPr kumimoji="1" lang="ja-JP" altLang="en-US"/>
           </a:p>
@@ -1962,7 +1963,7 @@
           <a:p>
             <a:fld id="{185B02C0-14C3-4191-B625-BCEA22DD114B}" type="datetimeFigureOut">
               <a:rPr kumimoji="1" lang="ja-JP" altLang="en-US" smtClean="0"/>
-              <a:t>2019/11/12</a:t>
+              <a:t>2019/11/18</a:t>
             </a:fld>
             <a:endParaRPr kumimoji="1" lang="ja-JP" altLang="en-US"/>
           </a:p>
@@ -2057,7 +2058,7 @@
           <a:p>
             <a:fld id="{185B02C0-14C3-4191-B625-BCEA22DD114B}" type="datetimeFigureOut">
               <a:rPr kumimoji="1" lang="ja-JP" altLang="en-US" smtClean="0"/>
-              <a:t>2019/11/12</a:t>
+              <a:t>2019/11/18</a:t>
             </a:fld>
             <a:endParaRPr kumimoji="1" lang="ja-JP" altLang="en-US"/>
           </a:p>
@@ -2366,7 +2367,7 @@
           <a:p>
             <a:fld id="{185B02C0-14C3-4191-B625-BCEA22DD114B}" type="datetimeFigureOut">
               <a:rPr kumimoji="1" lang="ja-JP" altLang="en-US" smtClean="0"/>
-              <a:t>2019/11/12</a:t>
+              <a:t>2019/11/18</a:t>
             </a:fld>
             <a:endParaRPr kumimoji="1" lang="ja-JP" altLang="en-US"/>
           </a:p>
@@ -2619,7 +2620,7 @@
           <a:p>
             <a:fld id="{185B02C0-14C3-4191-B625-BCEA22DD114B}" type="datetimeFigureOut">
               <a:rPr kumimoji="1" lang="ja-JP" altLang="en-US" smtClean="0"/>
-              <a:t>2019/11/12</a:t>
+              <a:t>2019/11/18</a:t>
             </a:fld>
             <a:endParaRPr kumimoji="1" lang="ja-JP" altLang="en-US"/>
           </a:p>
@@ -2864,7 +2865,7 @@
           <a:p>
             <a:fld id="{185B02C0-14C3-4191-B625-BCEA22DD114B}" type="datetimeFigureOut">
               <a:rPr kumimoji="1" lang="ja-JP" altLang="en-US" smtClean="0"/>
-              <a:t>2019/11/12</a:t>
+              <a:t>2019/11/18</a:t>
             </a:fld>
             <a:endParaRPr kumimoji="1" lang="ja-JP" altLang="en-US"/>
           </a:p>
@@ -3894,7 +3895,7 @@
             <a:avLst/>
           </a:prstGeom>
           <a:solidFill>
-            <a:schemeClr val="tx1"/>
+            <a:schemeClr val="bg1"/>
           </a:solidFill>
         </p:spPr>
         <p:style>
@@ -4068,7 +4069,7 @@
             <a:avLst/>
           </a:prstGeom>
           <a:solidFill>
-            <a:schemeClr val="bg1"/>
+            <a:schemeClr val="tx1"/>
           </a:solidFill>
         </p:spPr>
         <p:style>
@@ -8520,7 +8521,7 @@
             <a:avLst/>
           </a:prstGeom>
           <a:solidFill>
-            <a:schemeClr val="tx1"/>
+            <a:schemeClr val="bg1"/>
           </a:solidFill>
         </p:spPr>
         <p:style>
@@ -8737,7 +8738,7 @@
             <a:avLst/>
           </a:prstGeom>
           <a:solidFill>
-            <a:schemeClr val="bg1"/>
+            <a:schemeClr val="tx1"/>
           </a:solidFill>
         </p:spPr>
         <p:style>
@@ -10838,7 +10839,7 @@
           <p:cNvPr id="185" name="左中かっこ 184">
             <a:extLst>
               <a:ext uri="{FF2B5EF4-FFF2-40B4-BE49-F238E27FC236}">
-                <a16:creationId xmlns:a16="http://schemas.microsoft.com/office/drawing/2014/main" xmlns="" id="{7484E61E-C510-4FF0-978A-471330A22C3C}"/>
+                <a16:creationId xmlns="" xmlns:a16="http://schemas.microsoft.com/office/drawing/2014/main" id="{7484E61E-C510-4FF0-978A-471330A22C3C}"/>
               </a:ext>
             </a:extLst>
           </p:cNvPr>
@@ -10890,8 +10891,8 @@
           </a:p>
         </p:txBody>
       </p:sp>
-      <mc:AlternateContent xmlns:mc="http://schemas.openxmlformats.org/markup-compatibility/2006">
-        <mc:Choice xmlns:a14="http://schemas.microsoft.com/office/drawing/2010/main" Requires="a14">
+      <mc:AlternateContent xmlns:mc="http://schemas.openxmlformats.org/markup-compatibility/2006" xmlns:a14="http://schemas.microsoft.com/office/drawing/2010/main">
+        <mc:Choice Requires="a14">
           <p:sp>
             <p:nvSpPr>
               <p:cNvPr id="186" name="テキスト ボックス 185"/>
@@ -10947,7 +10948,7 @@
             </p:txBody>
           </p:sp>
         </mc:Choice>
-        <mc:Fallback>
+        <mc:Fallback xmlns="">
           <p:sp>
             <p:nvSpPr>
               <p:cNvPr id="186" name="テキスト ボックス 185"/>
@@ -10991,7 +10992,7 @@
           <p:cNvPr id="233" name="左中かっこ 232">
             <a:extLst>
               <a:ext uri="{FF2B5EF4-FFF2-40B4-BE49-F238E27FC236}">
-                <a16:creationId xmlns:a16="http://schemas.microsoft.com/office/drawing/2014/main" xmlns="" id="{7484E61E-C510-4FF0-978A-471330A22C3C}"/>
+                <a16:creationId xmlns="" xmlns:a16="http://schemas.microsoft.com/office/drawing/2014/main" id="{7484E61E-C510-4FF0-978A-471330A22C3C}"/>
               </a:ext>
             </a:extLst>
           </p:cNvPr>
@@ -11043,8 +11044,8 @@
           </a:p>
         </p:txBody>
       </p:sp>
-      <mc:AlternateContent xmlns:mc="http://schemas.openxmlformats.org/markup-compatibility/2006">
-        <mc:Choice xmlns:a14="http://schemas.microsoft.com/office/drawing/2010/main" Requires="a14">
+      <mc:AlternateContent xmlns:mc="http://schemas.openxmlformats.org/markup-compatibility/2006" xmlns:a14="http://schemas.microsoft.com/office/drawing/2010/main">
+        <mc:Choice Requires="a14">
           <p:sp>
             <p:nvSpPr>
               <p:cNvPr id="235" name="テキスト ボックス 234"/>
@@ -11100,7 +11101,7 @@
             </p:txBody>
           </p:sp>
         </mc:Choice>
-        <mc:Fallback>
+        <mc:Fallback xmlns="">
           <p:sp>
             <p:nvSpPr>
               <p:cNvPr id="235" name="テキスト ボックス 234"/>
@@ -11144,7 +11145,7 @@
           <p:cNvPr id="239" name="左中かっこ 238">
             <a:extLst>
               <a:ext uri="{FF2B5EF4-FFF2-40B4-BE49-F238E27FC236}">
-                <a16:creationId xmlns:a16="http://schemas.microsoft.com/office/drawing/2014/main" xmlns="" id="{7484E61E-C510-4FF0-978A-471330A22C3C}"/>
+                <a16:creationId xmlns="" xmlns:a16="http://schemas.microsoft.com/office/drawing/2014/main" id="{7484E61E-C510-4FF0-978A-471330A22C3C}"/>
               </a:ext>
             </a:extLst>
           </p:cNvPr>
@@ -11196,8 +11197,8 @@
           </a:p>
         </p:txBody>
       </p:sp>
-      <mc:AlternateContent xmlns:mc="http://schemas.openxmlformats.org/markup-compatibility/2006">
-        <mc:Choice xmlns:a14="http://schemas.microsoft.com/office/drawing/2010/main" Requires="a14">
+      <mc:AlternateContent xmlns:mc="http://schemas.openxmlformats.org/markup-compatibility/2006" xmlns:a14="http://schemas.microsoft.com/office/drawing/2010/main">
+        <mc:Choice Requires="a14">
           <p:sp>
             <p:nvSpPr>
               <p:cNvPr id="241" name="テキスト ボックス 240"/>
@@ -11253,7 +11254,7 @@
             </p:txBody>
           </p:sp>
         </mc:Choice>
-        <mc:Fallback>
+        <mc:Fallback xmlns="">
           <p:sp>
             <p:nvSpPr>
               <p:cNvPr id="241" name="テキスト ボックス 240"/>
@@ -11292,8 +11293,8 @@
           </p:sp>
         </mc:Fallback>
       </mc:AlternateContent>
-      <mc:AlternateContent xmlns:mc="http://schemas.openxmlformats.org/markup-compatibility/2006">
-        <mc:Choice xmlns:a14="http://schemas.microsoft.com/office/drawing/2010/main" Requires="a14">
+      <mc:AlternateContent xmlns:mc="http://schemas.openxmlformats.org/markup-compatibility/2006" xmlns:a14="http://schemas.microsoft.com/office/drawing/2010/main">
+        <mc:Choice Requires="a14">
           <p:sp>
             <p:nvSpPr>
               <p:cNvPr id="242" name="テキスト ボックス 241"/>
@@ -11361,7 +11362,7 @@
             </p:txBody>
           </p:sp>
         </mc:Choice>
-        <mc:Fallback>
+        <mc:Fallback xmlns="">
           <p:sp>
             <p:nvSpPr>
               <p:cNvPr id="242" name="テキスト ボックス 241"/>
@@ -11400,8 +11401,8 @@
           </p:sp>
         </mc:Fallback>
       </mc:AlternateContent>
-      <mc:AlternateContent xmlns:mc="http://schemas.openxmlformats.org/markup-compatibility/2006">
-        <mc:Choice xmlns:a14="http://schemas.microsoft.com/office/drawing/2010/main" Requires="a14">
+      <mc:AlternateContent xmlns:mc="http://schemas.openxmlformats.org/markup-compatibility/2006" xmlns:a14="http://schemas.microsoft.com/office/drawing/2010/main">
+        <mc:Choice Requires="a14">
           <p:sp>
             <p:nvSpPr>
               <p:cNvPr id="244" name="テキスト ボックス 243"/>
@@ -11534,7 +11535,7 @@
             </p:txBody>
           </p:sp>
         </mc:Choice>
-        <mc:Fallback>
+        <mc:Fallback xmlns="">
           <p:sp>
             <p:nvSpPr>
               <p:cNvPr id="244" name="テキスト ボックス 243"/>
@@ -11578,7 +11579,7 @@
           <p:cNvPr id="245" name="左中かっこ 244">
             <a:extLst>
               <a:ext uri="{FF2B5EF4-FFF2-40B4-BE49-F238E27FC236}">
-                <a16:creationId xmlns:a16="http://schemas.microsoft.com/office/drawing/2014/main" xmlns="" id="{7484E61E-C510-4FF0-978A-471330A22C3C}"/>
+                <a16:creationId xmlns="" xmlns:a16="http://schemas.microsoft.com/office/drawing/2014/main" id="{7484E61E-C510-4FF0-978A-471330A22C3C}"/>
               </a:ext>
             </a:extLst>
           </p:cNvPr>
@@ -11630,8 +11631,8 @@
           </a:p>
         </p:txBody>
       </p:sp>
-      <mc:AlternateContent xmlns:mc="http://schemas.openxmlformats.org/markup-compatibility/2006">
-        <mc:Choice xmlns:a14="http://schemas.microsoft.com/office/drawing/2010/main" Requires="a14">
+      <mc:AlternateContent xmlns:mc="http://schemas.openxmlformats.org/markup-compatibility/2006" xmlns:a14="http://schemas.microsoft.com/office/drawing/2010/main">
+        <mc:Choice Requires="a14">
           <p:sp>
             <p:nvSpPr>
               <p:cNvPr id="246" name="テキスト ボックス 245"/>
@@ -11675,7 +11676,7 @@
             </p:txBody>
           </p:sp>
         </mc:Choice>
-        <mc:Fallback>
+        <mc:Fallback xmlns="">
           <p:sp>
             <p:nvSpPr>
               <p:cNvPr id="246" name="テキスト ボックス 245"/>
@@ -11751,6 +11752,73 @@
           <a:chExt cx="0" cy="0"/>
         </a:xfrm>
       </p:grpSpPr>
+      <p:pic>
+        <p:nvPicPr>
+          <p:cNvPr id="2" name="図 1"/>
+          <p:cNvPicPr>
+            <a:picLocks noChangeAspect="1"/>
+          </p:cNvPicPr>
+          <p:nvPr/>
+        </p:nvPicPr>
+        <p:blipFill>
+          <a:blip r:embed="rId2">
+            <a:extLst>
+              <a:ext uri="{28A0092B-C50C-407E-A947-70E740481C1C}">
+                <a14:useLocalDpi xmlns:a14="http://schemas.microsoft.com/office/drawing/2010/main" val="0"/>
+              </a:ext>
+            </a:extLst>
+          </a:blip>
+          <a:stretch>
+            <a:fillRect/>
+          </a:stretch>
+        </p:blipFill>
+        <p:spPr>
+          <a:xfrm>
+            <a:off x="524553" y="2168880"/>
+            <a:ext cx="11142893" cy="3081071"/>
+          </a:xfrm>
+          <a:prstGeom prst="rect">
+            <a:avLst/>
+          </a:prstGeom>
+        </p:spPr>
+      </p:pic>
+    </p:spTree>
+    <p:extLst>
+      <p:ext uri="{BB962C8B-B14F-4D97-AF65-F5344CB8AC3E}">
+        <p14:creationId xmlns:p14="http://schemas.microsoft.com/office/powerpoint/2010/main" val="2968197892"/>
+      </p:ext>
+    </p:extLst>
+  </p:cSld>
+  <p:clrMapOvr>
+    <a:masterClrMapping/>
+  </p:clrMapOvr>
+  <p:timing>
+    <p:tnLst>
+      <p:par>
+        <p:cTn id="1" dur="indefinite" restart="never" nodeType="tmRoot"/>
+      </p:par>
+    </p:tnLst>
+  </p:timing>
+</p:sld>
+</file>
+
+<file path=ppt/slides/slide3.xml><?xml version="1.0" encoding="utf-8"?>
+<p:sld xmlns:a="http://schemas.openxmlformats.org/drawingml/2006/main" xmlns:r="http://schemas.openxmlformats.org/officeDocument/2006/relationships" xmlns:p="http://schemas.openxmlformats.org/presentationml/2006/main">
+  <p:cSld>
+    <p:spTree>
+      <p:nvGrpSpPr>
+        <p:cNvPr id="1" name=""/>
+        <p:cNvGrpSpPr/>
+        <p:nvPr/>
+      </p:nvGrpSpPr>
+      <p:grpSpPr>
+        <a:xfrm>
+          <a:off x="0" y="0"/>
+          <a:ext cx="0" cy="0"/>
+          <a:chOff x="0" y="0"/>
+          <a:chExt cx="0" cy="0"/>
+        </a:xfrm>
+      </p:grpSpPr>
       <p:sp>
         <p:nvSpPr>
           <p:cNvPr id="10" name="円/楕円 9"/>
@@ -19264,7 +19332,7 @@
           <p:cNvPr id="185" name="左中かっこ 184">
             <a:extLst>
               <a:ext uri="{FF2B5EF4-FFF2-40B4-BE49-F238E27FC236}">
-                <a16:creationId xmlns:a16="http://schemas.microsoft.com/office/drawing/2014/main" xmlns="" id="{7484E61E-C510-4FF0-978A-471330A22C3C}"/>
+                <a16:creationId xmlns="" xmlns:a16="http://schemas.microsoft.com/office/drawing/2014/main" id="{7484E61E-C510-4FF0-978A-471330A22C3C}"/>
               </a:ext>
             </a:extLst>
           </p:cNvPr>
@@ -19316,8 +19384,8 @@
           </a:p>
         </p:txBody>
       </p:sp>
-      <mc:AlternateContent xmlns:mc="http://schemas.openxmlformats.org/markup-compatibility/2006">
-        <mc:Choice xmlns:a14="http://schemas.microsoft.com/office/drawing/2010/main" Requires="a14">
+      <mc:AlternateContent xmlns:mc="http://schemas.openxmlformats.org/markup-compatibility/2006" xmlns:a14="http://schemas.microsoft.com/office/drawing/2010/main">
+        <mc:Choice Requires="a14">
           <p:sp>
             <p:nvSpPr>
               <p:cNvPr id="186" name="テキスト ボックス 185"/>
@@ -19373,7 +19441,7 @@
             </p:txBody>
           </p:sp>
         </mc:Choice>
-        <mc:Fallback>
+        <mc:Fallback xmlns="">
           <p:sp>
             <p:nvSpPr>
               <p:cNvPr id="186" name="テキスト ボックス 185"/>
@@ -19417,7 +19485,7 @@
           <p:cNvPr id="233" name="左中かっこ 232">
             <a:extLst>
               <a:ext uri="{FF2B5EF4-FFF2-40B4-BE49-F238E27FC236}">
-                <a16:creationId xmlns:a16="http://schemas.microsoft.com/office/drawing/2014/main" xmlns="" id="{7484E61E-C510-4FF0-978A-471330A22C3C}"/>
+                <a16:creationId xmlns="" xmlns:a16="http://schemas.microsoft.com/office/drawing/2014/main" id="{7484E61E-C510-4FF0-978A-471330A22C3C}"/>
               </a:ext>
             </a:extLst>
           </p:cNvPr>
@@ -19469,8 +19537,8 @@
           </a:p>
         </p:txBody>
       </p:sp>
-      <mc:AlternateContent xmlns:mc="http://schemas.openxmlformats.org/markup-compatibility/2006">
-        <mc:Choice xmlns:a14="http://schemas.microsoft.com/office/drawing/2010/main" Requires="a14">
+      <mc:AlternateContent xmlns:mc="http://schemas.openxmlformats.org/markup-compatibility/2006" xmlns:a14="http://schemas.microsoft.com/office/drawing/2010/main">
+        <mc:Choice Requires="a14">
           <p:sp>
             <p:nvSpPr>
               <p:cNvPr id="235" name="テキスト ボックス 234"/>
@@ -19526,7 +19594,7 @@
             </p:txBody>
           </p:sp>
         </mc:Choice>
-        <mc:Fallback>
+        <mc:Fallback xmlns="">
           <p:sp>
             <p:nvSpPr>
               <p:cNvPr id="235" name="テキスト ボックス 234"/>
@@ -19570,7 +19638,7 @@
           <p:cNvPr id="239" name="左中かっこ 238">
             <a:extLst>
               <a:ext uri="{FF2B5EF4-FFF2-40B4-BE49-F238E27FC236}">
-                <a16:creationId xmlns:a16="http://schemas.microsoft.com/office/drawing/2014/main" xmlns="" id="{7484E61E-C510-4FF0-978A-471330A22C3C}"/>
+                <a16:creationId xmlns="" xmlns:a16="http://schemas.microsoft.com/office/drawing/2014/main" id="{7484E61E-C510-4FF0-978A-471330A22C3C}"/>
               </a:ext>
             </a:extLst>
           </p:cNvPr>
@@ -19622,8 +19690,8 @@
           </a:p>
         </p:txBody>
       </p:sp>
-      <mc:AlternateContent xmlns:mc="http://schemas.openxmlformats.org/markup-compatibility/2006">
-        <mc:Choice xmlns:a14="http://schemas.microsoft.com/office/drawing/2010/main" Requires="a14">
+      <mc:AlternateContent xmlns:mc="http://schemas.openxmlformats.org/markup-compatibility/2006" xmlns:a14="http://schemas.microsoft.com/office/drawing/2010/main">
+        <mc:Choice Requires="a14">
           <p:sp>
             <p:nvSpPr>
               <p:cNvPr id="241" name="テキスト ボックス 240"/>
@@ -19679,7 +19747,7 @@
             </p:txBody>
           </p:sp>
         </mc:Choice>
-        <mc:Fallback>
+        <mc:Fallback xmlns="">
           <p:sp>
             <p:nvSpPr>
               <p:cNvPr id="241" name="テキスト ボックス 240"/>
@@ -19718,8 +19786,8 @@
           </p:sp>
         </mc:Fallback>
       </mc:AlternateContent>
-      <mc:AlternateContent xmlns:mc="http://schemas.openxmlformats.org/markup-compatibility/2006">
-        <mc:Choice xmlns:a14="http://schemas.microsoft.com/office/drawing/2010/main" Requires="a14">
+      <mc:AlternateContent xmlns:mc="http://schemas.openxmlformats.org/markup-compatibility/2006" xmlns:a14="http://schemas.microsoft.com/office/drawing/2010/main">
+        <mc:Choice Requires="a14">
           <p:sp>
             <p:nvSpPr>
               <p:cNvPr id="242" name="テキスト ボックス 241"/>
@@ -19787,7 +19855,7 @@
             </p:txBody>
           </p:sp>
         </mc:Choice>
-        <mc:Fallback>
+        <mc:Fallback xmlns="">
           <p:sp>
             <p:nvSpPr>
               <p:cNvPr id="242" name="テキスト ボックス 241"/>
@@ -19826,8 +19894,8 @@
           </p:sp>
         </mc:Fallback>
       </mc:AlternateContent>
-      <mc:AlternateContent xmlns:mc="http://schemas.openxmlformats.org/markup-compatibility/2006">
-        <mc:Choice xmlns:a14="http://schemas.microsoft.com/office/drawing/2010/main" Requires="a14">
+      <mc:AlternateContent xmlns:mc="http://schemas.openxmlformats.org/markup-compatibility/2006" xmlns:a14="http://schemas.microsoft.com/office/drawing/2010/main">
+        <mc:Choice Requires="a14">
           <p:sp>
             <p:nvSpPr>
               <p:cNvPr id="244" name="テキスト ボックス 243"/>
@@ -19960,7 +20028,7 @@
             </p:txBody>
           </p:sp>
         </mc:Choice>
-        <mc:Fallback>
+        <mc:Fallback xmlns="">
           <p:sp>
             <p:nvSpPr>
               <p:cNvPr id="244" name="テキスト ボックス 243"/>
@@ -20004,7 +20072,7 @@
           <p:cNvPr id="245" name="左中かっこ 244">
             <a:extLst>
               <a:ext uri="{FF2B5EF4-FFF2-40B4-BE49-F238E27FC236}">
-                <a16:creationId xmlns:a16="http://schemas.microsoft.com/office/drawing/2014/main" xmlns="" id="{7484E61E-C510-4FF0-978A-471330A22C3C}"/>
+                <a16:creationId xmlns="" xmlns:a16="http://schemas.microsoft.com/office/drawing/2014/main" id="{7484E61E-C510-4FF0-978A-471330A22C3C}"/>
               </a:ext>
             </a:extLst>
           </p:cNvPr>
@@ -20056,8 +20124,8 @@
           </a:p>
         </p:txBody>
       </p:sp>
-      <mc:AlternateContent xmlns:mc="http://schemas.openxmlformats.org/markup-compatibility/2006">
-        <mc:Choice xmlns:a14="http://schemas.microsoft.com/office/drawing/2010/main" Requires="a14">
+      <mc:AlternateContent xmlns:mc="http://schemas.openxmlformats.org/markup-compatibility/2006" xmlns:a14="http://schemas.microsoft.com/office/drawing/2010/main">
+        <mc:Choice Requires="a14">
           <p:sp>
             <p:nvSpPr>
               <p:cNvPr id="246" name="テキスト ボックス 245"/>
@@ -20101,7 +20169,7 @@
             </p:txBody>
           </p:sp>
         </mc:Choice>
-        <mc:Fallback>
+        <mc:Fallback xmlns="">
           <p:sp>
             <p:nvSpPr>
               <p:cNvPr id="246" name="テキスト ボックス 245"/>
